--- a/scriptie/cover.pptx
+++ b/scriptie/cover.pptx
@@ -104,6 +104,11 @@
       </a:defRPr>
     </a:lvl9pPr>
   </p:defaultTextStyle>
+  <p:extLst>
+    <p:ext uri="{EFAFB233-063F-42B5-8137-9DF3F51BA10A}">
+      <p15:sldGuideLst xmlns:p15="http://schemas.microsoft.com/office/powerpoint/2012/main"/>
+    </p:ext>
+  </p:extLst>
 </p:presentation>
 </file>
 
@@ -149,7 +154,7 @@
           </a:lstStyle>
           <a:p>
             <a:r>
-              <a:rPr lang="nl-NL" smtClean="0"/>
+              <a:rPr lang="nl-NL"/>
               <a:t>Klik om de stijl te bewerken</a:t>
             </a:r>
             <a:endParaRPr lang="en-US" dirty="0"/>
@@ -214,7 +219,7 @@
           </a:lstStyle>
           <a:p>
             <a:r>
-              <a:rPr lang="nl-NL" smtClean="0"/>
+              <a:rPr lang="nl-NL"/>
               <a:t>Klik om de ondertitelstijl van het model te bewerken</a:t>
             </a:r>
             <a:endParaRPr lang="en-US" dirty="0"/>
@@ -238,7 +243,7 @@
           <a:p>
             <a:fld id="{13EF79CD-D47A-4CB1-BC5B-42C041177A66}" type="datetimeFigureOut">
               <a:rPr lang="nl-BE" smtClean="0"/>
-              <a:t>9/05/2016</a:t>
+              <a:t>20/01/2019</a:t>
             </a:fld>
             <a:endParaRPr lang="nl-BE"/>
           </a:p>
@@ -332,7 +337,7 @@
           <a:lstStyle/>
           <a:p>
             <a:r>
-              <a:rPr lang="nl-NL" smtClean="0"/>
+              <a:rPr lang="nl-NL"/>
               <a:t>Klik om de stijl te bewerken</a:t>
             </a:r>
             <a:endParaRPr lang="en-US" dirty="0"/>
@@ -356,35 +361,35 @@
           <a:p>
             <a:pPr lvl="0"/>
             <a:r>
-              <a:rPr lang="nl-NL" smtClean="0"/>
+              <a:rPr lang="nl-NL"/>
               <a:t>Tekststijl van het model bewerken</a:t>
             </a:r>
           </a:p>
           <a:p>
             <a:pPr lvl="1"/>
             <a:r>
-              <a:rPr lang="nl-NL" smtClean="0"/>
+              <a:rPr lang="nl-NL"/>
               <a:t>Tweede niveau</a:t>
             </a:r>
           </a:p>
           <a:p>
             <a:pPr lvl="2"/>
             <a:r>
-              <a:rPr lang="nl-NL" smtClean="0"/>
+              <a:rPr lang="nl-NL"/>
               <a:t>Derde niveau</a:t>
             </a:r>
           </a:p>
           <a:p>
             <a:pPr lvl="3"/>
             <a:r>
-              <a:rPr lang="nl-NL" smtClean="0"/>
+              <a:rPr lang="nl-NL"/>
               <a:t>Vierde niveau</a:t>
             </a:r>
           </a:p>
           <a:p>
             <a:pPr lvl="4"/>
             <a:r>
-              <a:rPr lang="nl-NL" smtClean="0"/>
+              <a:rPr lang="nl-NL"/>
               <a:t>Vijfde niveau</a:t>
             </a:r>
             <a:endParaRPr lang="en-US" dirty="0"/>
@@ -408,7 +413,7 @@
           <a:p>
             <a:fld id="{13EF79CD-D47A-4CB1-BC5B-42C041177A66}" type="datetimeFigureOut">
               <a:rPr lang="nl-BE" smtClean="0"/>
-              <a:t>9/05/2016</a:t>
+              <a:t>20/01/2019</a:t>
             </a:fld>
             <a:endParaRPr lang="nl-BE"/>
           </a:p>
@@ -507,7 +512,7 @@
           <a:lstStyle/>
           <a:p>
             <a:r>
-              <a:rPr lang="nl-NL" smtClean="0"/>
+              <a:rPr lang="nl-NL"/>
               <a:t>Klik om de stijl te bewerken</a:t>
             </a:r>
             <a:endParaRPr lang="en-US" dirty="0"/>
@@ -536,35 +541,35 @@
           <a:p>
             <a:pPr lvl="0"/>
             <a:r>
-              <a:rPr lang="nl-NL" smtClean="0"/>
+              <a:rPr lang="nl-NL"/>
               <a:t>Tekststijl van het model bewerken</a:t>
             </a:r>
           </a:p>
           <a:p>
             <a:pPr lvl="1"/>
             <a:r>
-              <a:rPr lang="nl-NL" smtClean="0"/>
+              <a:rPr lang="nl-NL"/>
               <a:t>Tweede niveau</a:t>
             </a:r>
           </a:p>
           <a:p>
             <a:pPr lvl="2"/>
             <a:r>
-              <a:rPr lang="nl-NL" smtClean="0"/>
+              <a:rPr lang="nl-NL"/>
               <a:t>Derde niveau</a:t>
             </a:r>
           </a:p>
           <a:p>
             <a:pPr lvl="3"/>
             <a:r>
-              <a:rPr lang="nl-NL" smtClean="0"/>
+              <a:rPr lang="nl-NL"/>
               <a:t>Vierde niveau</a:t>
             </a:r>
           </a:p>
           <a:p>
             <a:pPr lvl="4"/>
             <a:r>
-              <a:rPr lang="nl-NL" smtClean="0"/>
+              <a:rPr lang="nl-NL"/>
               <a:t>Vijfde niveau</a:t>
             </a:r>
             <a:endParaRPr lang="en-US" dirty="0"/>
@@ -588,7 +593,7 @@
           <a:p>
             <a:fld id="{13EF79CD-D47A-4CB1-BC5B-42C041177A66}" type="datetimeFigureOut">
               <a:rPr lang="nl-BE" smtClean="0"/>
-              <a:t>9/05/2016</a:t>
+              <a:t>20/01/2019</a:t>
             </a:fld>
             <a:endParaRPr lang="nl-BE"/>
           </a:p>
@@ -682,7 +687,7 @@
           <a:lstStyle/>
           <a:p>
             <a:r>
-              <a:rPr lang="nl-NL" smtClean="0"/>
+              <a:rPr lang="nl-NL"/>
               <a:t>Klik om de stijl te bewerken</a:t>
             </a:r>
             <a:endParaRPr lang="en-US" dirty="0"/>
@@ -706,35 +711,35 @@
           <a:p>
             <a:pPr lvl="0"/>
             <a:r>
-              <a:rPr lang="nl-NL" smtClean="0"/>
+              <a:rPr lang="nl-NL"/>
               <a:t>Tekststijl van het model bewerken</a:t>
             </a:r>
           </a:p>
           <a:p>
             <a:pPr lvl="1"/>
             <a:r>
-              <a:rPr lang="nl-NL" smtClean="0"/>
+              <a:rPr lang="nl-NL"/>
               <a:t>Tweede niveau</a:t>
             </a:r>
           </a:p>
           <a:p>
             <a:pPr lvl="2"/>
             <a:r>
-              <a:rPr lang="nl-NL" smtClean="0"/>
+              <a:rPr lang="nl-NL"/>
               <a:t>Derde niveau</a:t>
             </a:r>
           </a:p>
           <a:p>
             <a:pPr lvl="3"/>
             <a:r>
-              <a:rPr lang="nl-NL" smtClean="0"/>
+              <a:rPr lang="nl-NL"/>
               <a:t>Vierde niveau</a:t>
             </a:r>
           </a:p>
           <a:p>
             <a:pPr lvl="4"/>
             <a:r>
-              <a:rPr lang="nl-NL" smtClean="0"/>
+              <a:rPr lang="nl-NL"/>
               <a:t>Vijfde niveau</a:t>
             </a:r>
             <a:endParaRPr lang="en-US" dirty="0"/>
@@ -758,7 +763,7 @@
           <a:p>
             <a:fld id="{13EF79CD-D47A-4CB1-BC5B-42C041177A66}" type="datetimeFigureOut">
               <a:rPr lang="nl-BE" smtClean="0"/>
-              <a:t>9/05/2016</a:t>
+              <a:t>20/01/2019</a:t>
             </a:fld>
             <a:endParaRPr lang="nl-BE"/>
           </a:p>
@@ -861,7 +866,7 @@
           </a:lstStyle>
           <a:p>
             <a:r>
-              <a:rPr lang="nl-NL" smtClean="0"/>
+              <a:rPr lang="nl-NL"/>
               <a:t>Klik om de stijl te bewerken</a:t>
             </a:r>
             <a:endParaRPr lang="en-US" dirty="0"/>
@@ -979,7 +984,7 @@
           <a:p>
             <a:pPr lvl="0"/>
             <a:r>
-              <a:rPr lang="nl-NL" smtClean="0"/>
+              <a:rPr lang="nl-NL"/>
               <a:t>Tekststijl van het model bewerken</a:t>
             </a:r>
           </a:p>
@@ -1002,7 +1007,7 @@
           <a:p>
             <a:fld id="{13EF79CD-D47A-4CB1-BC5B-42C041177A66}" type="datetimeFigureOut">
               <a:rPr lang="nl-BE" smtClean="0"/>
-              <a:t>9/05/2016</a:t>
+              <a:t>20/01/2019</a:t>
             </a:fld>
             <a:endParaRPr lang="nl-BE"/>
           </a:p>
@@ -1096,7 +1101,7 @@
           <a:lstStyle/>
           <a:p>
             <a:r>
-              <a:rPr lang="nl-NL" smtClean="0"/>
+              <a:rPr lang="nl-NL"/>
               <a:t>Klik om de stijl te bewerken</a:t>
             </a:r>
             <a:endParaRPr lang="en-US" dirty="0"/>
@@ -1125,35 +1130,35 @@
           <a:p>
             <a:pPr lvl="0"/>
             <a:r>
-              <a:rPr lang="nl-NL" smtClean="0"/>
+              <a:rPr lang="nl-NL"/>
               <a:t>Tekststijl van het model bewerken</a:t>
             </a:r>
           </a:p>
           <a:p>
             <a:pPr lvl="1"/>
             <a:r>
-              <a:rPr lang="nl-NL" smtClean="0"/>
+              <a:rPr lang="nl-NL"/>
               <a:t>Tweede niveau</a:t>
             </a:r>
           </a:p>
           <a:p>
             <a:pPr lvl="2"/>
             <a:r>
-              <a:rPr lang="nl-NL" smtClean="0"/>
+              <a:rPr lang="nl-NL"/>
               <a:t>Derde niveau</a:t>
             </a:r>
           </a:p>
           <a:p>
             <a:pPr lvl="3"/>
             <a:r>
-              <a:rPr lang="nl-NL" smtClean="0"/>
+              <a:rPr lang="nl-NL"/>
               <a:t>Vierde niveau</a:t>
             </a:r>
           </a:p>
           <a:p>
             <a:pPr lvl="4"/>
             <a:r>
-              <a:rPr lang="nl-NL" smtClean="0"/>
+              <a:rPr lang="nl-NL"/>
               <a:t>Vijfde niveau</a:t>
             </a:r>
             <a:endParaRPr lang="en-US" dirty="0"/>
@@ -1182,35 +1187,35 @@
           <a:p>
             <a:pPr lvl="0"/>
             <a:r>
-              <a:rPr lang="nl-NL" smtClean="0"/>
+              <a:rPr lang="nl-NL"/>
               <a:t>Tekststijl van het model bewerken</a:t>
             </a:r>
           </a:p>
           <a:p>
             <a:pPr lvl="1"/>
             <a:r>
-              <a:rPr lang="nl-NL" smtClean="0"/>
+              <a:rPr lang="nl-NL"/>
               <a:t>Tweede niveau</a:t>
             </a:r>
           </a:p>
           <a:p>
             <a:pPr lvl="2"/>
             <a:r>
-              <a:rPr lang="nl-NL" smtClean="0"/>
+              <a:rPr lang="nl-NL"/>
               <a:t>Derde niveau</a:t>
             </a:r>
           </a:p>
           <a:p>
             <a:pPr lvl="3"/>
             <a:r>
-              <a:rPr lang="nl-NL" smtClean="0"/>
+              <a:rPr lang="nl-NL"/>
               <a:t>Vierde niveau</a:t>
             </a:r>
           </a:p>
           <a:p>
             <a:pPr lvl="4"/>
             <a:r>
-              <a:rPr lang="nl-NL" smtClean="0"/>
+              <a:rPr lang="nl-NL"/>
               <a:t>Vijfde niveau</a:t>
             </a:r>
             <a:endParaRPr lang="en-US" dirty="0"/>
@@ -1234,7 +1239,7 @@
           <a:p>
             <a:fld id="{13EF79CD-D47A-4CB1-BC5B-42C041177A66}" type="datetimeFigureOut">
               <a:rPr lang="nl-BE" smtClean="0"/>
-              <a:t>9/05/2016</a:t>
+              <a:t>20/01/2019</a:t>
             </a:fld>
             <a:endParaRPr lang="nl-BE"/>
           </a:p>
@@ -1333,7 +1338,7 @@
           <a:lstStyle/>
           <a:p>
             <a:r>
-              <a:rPr lang="nl-NL" smtClean="0"/>
+              <a:rPr lang="nl-NL"/>
               <a:t>Klik om de stijl te bewerken</a:t>
             </a:r>
             <a:endParaRPr lang="en-US" dirty="0"/>
@@ -1399,7 +1404,7 @@
           <a:p>
             <a:pPr lvl="0"/>
             <a:r>
-              <a:rPr lang="nl-NL" smtClean="0"/>
+              <a:rPr lang="nl-NL"/>
               <a:t>Tekststijl van het model bewerken</a:t>
             </a:r>
           </a:p>
@@ -1427,35 +1432,35 @@
           <a:p>
             <a:pPr lvl="0"/>
             <a:r>
-              <a:rPr lang="nl-NL" smtClean="0"/>
+              <a:rPr lang="nl-NL"/>
               <a:t>Tekststijl van het model bewerken</a:t>
             </a:r>
           </a:p>
           <a:p>
             <a:pPr lvl="1"/>
             <a:r>
-              <a:rPr lang="nl-NL" smtClean="0"/>
+              <a:rPr lang="nl-NL"/>
               <a:t>Tweede niveau</a:t>
             </a:r>
           </a:p>
           <a:p>
             <a:pPr lvl="2"/>
             <a:r>
-              <a:rPr lang="nl-NL" smtClean="0"/>
+              <a:rPr lang="nl-NL"/>
               <a:t>Derde niveau</a:t>
             </a:r>
           </a:p>
           <a:p>
             <a:pPr lvl="3"/>
             <a:r>
-              <a:rPr lang="nl-NL" smtClean="0"/>
+              <a:rPr lang="nl-NL"/>
               <a:t>Vierde niveau</a:t>
             </a:r>
           </a:p>
           <a:p>
             <a:pPr lvl="4"/>
             <a:r>
-              <a:rPr lang="nl-NL" smtClean="0"/>
+              <a:rPr lang="nl-NL"/>
               <a:t>Vijfde niveau</a:t>
             </a:r>
             <a:endParaRPr lang="en-US" dirty="0"/>
@@ -1521,7 +1526,7 @@
           <a:p>
             <a:pPr lvl="0"/>
             <a:r>
-              <a:rPr lang="nl-NL" smtClean="0"/>
+              <a:rPr lang="nl-NL"/>
               <a:t>Tekststijl van het model bewerken</a:t>
             </a:r>
           </a:p>
@@ -1549,35 +1554,35 @@
           <a:p>
             <a:pPr lvl="0"/>
             <a:r>
-              <a:rPr lang="nl-NL" smtClean="0"/>
+              <a:rPr lang="nl-NL"/>
               <a:t>Tekststijl van het model bewerken</a:t>
             </a:r>
           </a:p>
           <a:p>
             <a:pPr lvl="1"/>
             <a:r>
-              <a:rPr lang="nl-NL" smtClean="0"/>
+              <a:rPr lang="nl-NL"/>
               <a:t>Tweede niveau</a:t>
             </a:r>
           </a:p>
           <a:p>
             <a:pPr lvl="2"/>
             <a:r>
-              <a:rPr lang="nl-NL" smtClean="0"/>
+              <a:rPr lang="nl-NL"/>
               <a:t>Derde niveau</a:t>
             </a:r>
           </a:p>
           <a:p>
             <a:pPr lvl="3"/>
             <a:r>
-              <a:rPr lang="nl-NL" smtClean="0"/>
+              <a:rPr lang="nl-NL"/>
               <a:t>Vierde niveau</a:t>
             </a:r>
           </a:p>
           <a:p>
             <a:pPr lvl="4"/>
             <a:r>
-              <a:rPr lang="nl-NL" smtClean="0"/>
+              <a:rPr lang="nl-NL"/>
               <a:t>Vijfde niveau</a:t>
             </a:r>
             <a:endParaRPr lang="en-US" dirty="0"/>
@@ -1601,7 +1606,7 @@
           <a:p>
             <a:fld id="{13EF79CD-D47A-4CB1-BC5B-42C041177A66}" type="datetimeFigureOut">
               <a:rPr lang="nl-BE" smtClean="0"/>
-              <a:t>9/05/2016</a:t>
+              <a:t>20/01/2019</a:t>
             </a:fld>
             <a:endParaRPr lang="nl-BE"/>
           </a:p>
@@ -1695,7 +1700,7 @@
           <a:lstStyle/>
           <a:p>
             <a:r>
-              <a:rPr lang="nl-NL" smtClean="0"/>
+              <a:rPr lang="nl-NL"/>
               <a:t>Klik om de stijl te bewerken</a:t>
             </a:r>
             <a:endParaRPr lang="en-US" dirty="0"/>
@@ -1719,7 +1724,7 @@
           <a:p>
             <a:fld id="{13EF79CD-D47A-4CB1-BC5B-42C041177A66}" type="datetimeFigureOut">
               <a:rPr lang="nl-BE" smtClean="0"/>
-              <a:t>9/05/2016</a:t>
+              <a:t>20/01/2019</a:t>
             </a:fld>
             <a:endParaRPr lang="nl-BE"/>
           </a:p>
@@ -1814,7 +1819,7 @@
           <a:p>
             <a:fld id="{13EF79CD-D47A-4CB1-BC5B-42C041177A66}" type="datetimeFigureOut">
               <a:rPr lang="nl-BE" smtClean="0"/>
-              <a:t>9/05/2016</a:t>
+              <a:t>20/01/2019</a:t>
             </a:fld>
             <a:endParaRPr lang="nl-BE"/>
           </a:p>
@@ -1917,7 +1922,7 @@
           </a:lstStyle>
           <a:p>
             <a:r>
-              <a:rPr lang="nl-NL" smtClean="0"/>
+              <a:rPr lang="nl-NL"/>
               <a:t>Klik om de stijl te bewerken</a:t>
             </a:r>
             <a:endParaRPr lang="en-US" dirty="0"/>
@@ -1974,35 +1979,35 @@
           <a:p>
             <a:pPr lvl="0"/>
             <a:r>
-              <a:rPr lang="nl-NL" smtClean="0"/>
+              <a:rPr lang="nl-NL"/>
               <a:t>Tekststijl van het model bewerken</a:t>
             </a:r>
           </a:p>
           <a:p>
             <a:pPr lvl="1"/>
             <a:r>
-              <a:rPr lang="nl-NL" smtClean="0"/>
+              <a:rPr lang="nl-NL"/>
               <a:t>Tweede niveau</a:t>
             </a:r>
           </a:p>
           <a:p>
             <a:pPr lvl="2"/>
             <a:r>
-              <a:rPr lang="nl-NL" smtClean="0"/>
+              <a:rPr lang="nl-NL"/>
               <a:t>Derde niveau</a:t>
             </a:r>
           </a:p>
           <a:p>
             <a:pPr lvl="3"/>
             <a:r>
-              <a:rPr lang="nl-NL" smtClean="0"/>
+              <a:rPr lang="nl-NL"/>
               <a:t>Vierde niveau</a:t>
             </a:r>
           </a:p>
           <a:p>
             <a:pPr lvl="4"/>
             <a:r>
-              <a:rPr lang="nl-NL" smtClean="0"/>
+              <a:rPr lang="nl-NL"/>
               <a:t>Vijfde niveau</a:t>
             </a:r>
             <a:endParaRPr lang="en-US" dirty="0"/>
@@ -2068,7 +2073,7 @@
           <a:p>
             <a:pPr lvl="0"/>
             <a:r>
-              <a:rPr lang="nl-NL" smtClean="0"/>
+              <a:rPr lang="nl-NL"/>
               <a:t>Tekststijl van het model bewerken</a:t>
             </a:r>
           </a:p>
@@ -2091,7 +2096,7 @@
           <a:p>
             <a:fld id="{13EF79CD-D47A-4CB1-BC5B-42C041177A66}" type="datetimeFigureOut">
               <a:rPr lang="nl-BE" smtClean="0"/>
-              <a:t>9/05/2016</a:t>
+              <a:t>20/01/2019</a:t>
             </a:fld>
             <a:endParaRPr lang="nl-BE"/>
           </a:p>
@@ -2194,7 +2199,7 @@
           </a:lstStyle>
           <a:p>
             <a:r>
-              <a:rPr lang="nl-NL" smtClean="0"/>
+              <a:rPr lang="nl-NL"/>
               <a:t>Klik om de stijl te bewerken</a:t>
             </a:r>
             <a:endParaRPr lang="en-US" dirty="0"/>
@@ -2259,7 +2264,7 @@
           </a:lstStyle>
           <a:p>
             <a:r>
-              <a:rPr lang="nl-NL" smtClean="0"/>
+              <a:rPr lang="nl-NL"/>
               <a:t>Klik op het pictogram als u een afbeelding wilt toevoegen</a:t>
             </a:r>
             <a:endParaRPr lang="en-US" dirty="0"/>
@@ -2325,7 +2330,7 @@
           <a:p>
             <a:pPr lvl="0"/>
             <a:r>
-              <a:rPr lang="nl-NL" smtClean="0"/>
+              <a:rPr lang="nl-NL"/>
               <a:t>Tekststijl van het model bewerken</a:t>
             </a:r>
           </a:p>
@@ -2348,7 +2353,7 @@
           <a:p>
             <a:fld id="{13EF79CD-D47A-4CB1-BC5B-42C041177A66}" type="datetimeFigureOut">
               <a:rPr lang="nl-BE" smtClean="0"/>
-              <a:t>9/05/2016</a:t>
+              <a:t>20/01/2019</a:t>
             </a:fld>
             <a:endParaRPr lang="nl-BE"/>
           </a:p>
@@ -2457,7 +2462,7 @@
           <a:lstStyle/>
           <a:p>
             <a:r>
-              <a:rPr lang="nl-NL" smtClean="0"/>
+              <a:rPr lang="nl-NL"/>
               <a:t>Klik om de stijl te bewerken</a:t>
             </a:r>
             <a:endParaRPr lang="en-US" dirty="0"/>
@@ -2491,35 +2496,35 @@
           <a:p>
             <a:pPr lvl="0"/>
             <a:r>
-              <a:rPr lang="nl-NL" smtClean="0"/>
+              <a:rPr lang="nl-NL"/>
               <a:t>Tekststijl van het model bewerken</a:t>
             </a:r>
           </a:p>
           <a:p>
             <a:pPr lvl="1"/>
             <a:r>
-              <a:rPr lang="nl-NL" smtClean="0"/>
+              <a:rPr lang="nl-NL"/>
               <a:t>Tweede niveau</a:t>
             </a:r>
           </a:p>
           <a:p>
             <a:pPr lvl="2"/>
             <a:r>
-              <a:rPr lang="nl-NL" smtClean="0"/>
+              <a:rPr lang="nl-NL"/>
               <a:t>Derde niveau</a:t>
             </a:r>
           </a:p>
           <a:p>
             <a:pPr lvl="3"/>
             <a:r>
-              <a:rPr lang="nl-NL" smtClean="0"/>
+              <a:rPr lang="nl-NL"/>
               <a:t>Vierde niveau</a:t>
             </a:r>
           </a:p>
           <a:p>
             <a:pPr lvl="4"/>
             <a:r>
-              <a:rPr lang="nl-NL" smtClean="0"/>
+              <a:rPr lang="nl-NL"/>
               <a:t>Vijfde niveau</a:t>
             </a:r>
             <a:endParaRPr lang="en-US" dirty="0"/>
@@ -2561,7 +2566,7 @@
           <a:p>
             <a:fld id="{13EF79CD-D47A-4CB1-BC5B-42C041177A66}" type="datetimeFigureOut">
               <a:rPr lang="nl-BE" smtClean="0"/>
-              <a:t>9/05/2016</a:t>
+              <a:t>20/01/2019</a:t>
             </a:fld>
             <a:endParaRPr lang="nl-BE"/>
           </a:p>
@@ -3460,7 +3465,7 @@
         <p:spPr>
           <a:xfrm>
             <a:off x="-3691" y="1432294"/>
-            <a:ext cx="6840140" cy="810478"/>
+            <a:ext cx="6840140" cy="1185581"/>
           </a:xfrm>
           <a:prstGeom prst="rect">
             <a:avLst/>
@@ -3481,7 +3486,7 @@
               </a:spcAft>
             </a:pPr>
             <a:r>
-              <a:rPr lang="nl-NL" sz="4000" dirty="0" smtClean="0">
+              <a:rPr lang="nl-NL" sz="4000" dirty="0">
                 <a:solidFill>
                   <a:schemeClr val="bg1"/>
                 </a:solidFill>
@@ -3489,7 +3494,7 @@
               </a:rPr>
               <a:t> </a:t>
             </a:r>
-            <a:endParaRPr lang="nl-BE" sz="800" dirty="0" smtClean="0">
+            <a:endParaRPr lang="nl-BE" sz="800" dirty="0">
               <a:solidFill>
                 <a:schemeClr val="bg1"/>
               </a:solidFill>
@@ -3506,14 +3511,26 @@
               </a:spcAft>
             </a:pPr>
             <a:r>
-              <a:rPr lang="nl-NL" sz="4000" dirty="0" smtClean="0">
+              <a:rPr lang="nl-NL" sz="4000" dirty="0">
                 <a:solidFill>
                   <a:schemeClr val="bg1"/>
                 </a:solidFill>
-                <a:effectLst/>
               </a:rPr>
-              <a:t>Scriptietitel</a:t>
-            </a:r>
+              <a:t>The </a:t>
+            </a:r>
+            <a:r>
+              <a:rPr lang="nl-NL" sz="4000" dirty="0" err="1">
+                <a:solidFill>
+                  <a:schemeClr val="bg1"/>
+                </a:solidFill>
+              </a:rPr>
+              <a:t>BrainChain</a:t>
+            </a:r>
+            <a:endParaRPr lang="nl-NL" sz="4000" dirty="0">
+              <a:solidFill>
+                <a:schemeClr val="bg1"/>
+              </a:solidFill>
+            </a:endParaRPr>
           </a:p>
           <a:p>
             <a:pPr algn="ctr">
@@ -3524,11 +3541,10 @@
                 <a:spcPts val="0"/>
               </a:spcAft>
             </a:pPr>
-            <a:endParaRPr lang="nl-BE" sz="800" dirty="0" smtClean="0">
+            <a:endParaRPr lang="nl-NL" sz="4000" dirty="0">
               <a:solidFill>
                 <a:schemeClr val="bg1"/>
               </a:solidFill>
-              <a:effectLst/>
             </a:endParaRPr>
           </a:p>
           <a:p>
@@ -3541,12 +3557,67 @@
               </a:spcAft>
             </a:pPr>
             <a:r>
+              <a:rPr lang="nl-BE" dirty="0">
+                <a:solidFill>
+                  <a:schemeClr val="bg1"/>
+                </a:solidFill>
+              </a:rPr>
+              <a:t>Cloud applicatie voor het beheren van werknemersvaardigheden</a:t>
+            </a:r>
+            <a:endParaRPr lang="nl-NL" dirty="0">
+              <a:solidFill>
+                <a:schemeClr val="bg1"/>
+              </a:solidFill>
+            </a:endParaRPr>
+          </a:p>
+          <a:p>
+            <a:pPr algn="ctr">
+              <a:lnSpc>
+                <a:spcPts val="1400"/>
+              </a:lnSpc>
+              <a:spcAft>
+                <a:spcPts val="0"/>
+              </a:spcAft>
+            </a:pPr>
+            <a:endParaRPr lang="nl-BE" sz="800" dirty="0">
+              <a:solidFill>
+                <a:schemeClr val="bg1"/>
+              </a:solidFill>
+              <a:effectLst/>
+            </a:endParaRPr>
+          </a:p>
+          <a:p>
+            <a:pPr algn="ctr">
+              <a:lnSpc>
+                <a:spcPts val="1400"/>
+              </a:lnSpc>
+              <a:spcAft>
+                <a:spcPts val="0"/>
+              </a:spcAft>
+            </a:pPr>
+            <a:r>
               <a:rPr lang="nl-NL" dirty="0">
                 <a:solidFill>
                   <a:schemeClr val="bg1"/>
                 </a:solidFill>
               </a:rPr>
-              <a:t>naam student 1, naam student 2</a:t>
+              <a:t>Elwin Van </a:t>
+            </a:r>
+            <a:r>
+              <a:rPr lang="nl-NL" dirty="0" err="1">
+                <a:solidFill>
+                  <a:schemeClr val="bg1"/>
+                </a:solidFill>
+              </a:rPr>
+              <a:t>Dosselaer</a:t>
+            </a:r>
+            <a:r>
+              <a:rPr lang="nl-NL" dirty="0">
+                <a:solidFill>
+                  <a:schemeClr val="bg1"/>
+                </a:solidFill>
+              </a:rPr>
+              <a:t>, Ewout Exelmans</a:t>
             </a:r>
             <a:endParaRPr lang="nl-BE" sz="800" dirty="0">
               <a:solidFill>
@@ -3587,15 +3658,15 @@
               </a:spcAft>
             </a:pPr>
             <a:r>
-              <a:rPr lang="nl-NL" sz="1200" dirty="0" smtClean="0">
+              <a:rPr lang="nl-NL" sz="1200" dirty="0">
                 <a:solidFill>
                   <a:schemeClr val="bg1"/>
                 </a:solidFill>
                 <a:effectLst/>
               </a:rPr>
-              <a:t>academiejaar 2015-2016</a:t>
-            </a:r>
-            <a:endParaRPr lang="nl-BE" sz="1200" dirty="0" smtClean="0">
+              <a:t>academiejaar 2018-2019</a:t>
+            </a:r>
+            <a:endParaRPr lang="nl-BE" sz="1200" dirty="0">
               <a:solidFill>
                 <a:schemeClr val="bg1"/>
               </a:solidFill>
@@ -3612,7 +3683,7 @@
               </a:spcAft>
             </a:pPr>
             <a:r>
-              <a:rPr lang="nl-NL" sz="1200" dirty="0" smtClean="0">
+              <a:rPr lang="nl-NL" sz="1200" dirty="0">
                 <a:solidFill>
                   <a:schemeClr val="bg1"/>
                 </a:solidFill>
@@ -3620,7 +3691,7 @@
               </a:rPr>
               <a:t> </a:t>
             </a:r>
-            <a:endParaRPr lang="nl-BE" sz="1200" dirty="0" smtClean="0">
+            <a:endParaRPr lang="nl-BE" sz="1200" dirty="0">
               <a:solidFill>
                 <a:schemeClr val="bg1"/>
               </a:solidFill>
@@ -3637,7 +3708,7 @@
               </a:spcAft>
             </a:pPr>
             <a:r>
-              <a:rPr lang="nl-NL" sz="1200" dirty="0" smtClean="0">
+              <a:rPr lang="nl-NL" sz="1200" dirty="0">
                 <a:solidFill>
                   <a:schemeClr val="bg1"/>
                 </a:solidFill>
@@ -3645,7 +3716,7 @@
               </a:rPr>
               <a:t>AP Hogeschool Antwerpen</a:t>
             </a:r>
-            <a:endParaRPr lang="nl-BE" sz="1200" dirty="0" smtClean="0">
+            <a:endParaRPr lang="nl-BE" sz="1200" dirty="0">
               <a:solidFill>
                 <a:schemeClr val="bg1"/>
               </a:solidFill>
@@ -3662,7 +3733,7 @@
               </a:spcAft>
             </a:pPr>
             <a:r>
-              <a:rPr lang="nl-NL" sz="1200" dirty="0" smtClean="0">
+              <a:rPr lang="nl-NL" sz="1200" dirty="0">
                 <a:solidFill>
                   <a:schemeClr val="bg1"/>
                 </a:solidFill>
@@ -3670,7 +3741,7 @@
               </a:rPr>
               <a:t>Wetenschap &amp;Techniek</a:t>
             </a:r>
-            <a:endParaRPr lang="nl-BE" sz="1200" dirty="0" smtClean="0">
+            <a:endParaRPr lang="nl-BE" sz="1200" dirty="0">
               <a:solidFill>
                 <a:schemeClr val="bg1"/>
               </a:solidFill>
@@ -3687,7 +3758,7 @@
               </a:spcAft>
             </a:pPr>
             <a:r>
-              <a:rPr lang="nl-NL" sz="1200" dirty="0" err="1" smtClean="0">
+              <a:rPr lang="nl-NL" sz="1200" dirty="0" err="1">
                 <a:solidFill>
                   <a:schemeClr val="bg1"/>
                 </a:solidFill>
@@ -3717,13 +3788,6 @@
   <p:clrMapOvr>
     <a:masterClrMapping/>
   </p:clrMapOvr>
-  <p:timing>
-    <p:tnLst>
-      <p:par>
-        <p:cTn id="1" dur="indefinite" restart="never" nodeType="tmRoot"/>
-      </p:par>
-    </p:tnLst>
-  </p:timing>
 </p:sld>
 </file>
 
